--- a/Course/NachbarnFraesenNebenan/Kurs_NachbarnFraesenNebenan.pptx
+++ b/Course/NachbarnFraesenNebenan/Kurs_NachbarnFraesenNebenan.pptx
@@ -7093,23 +7093,26 @@
           <a:p>
             <a:pPr lvl="1"/>
             <a:r>
-              <a:rPr lang="de-DE" dirty="0" err="1" smtClean="0"/>
+              <a:rPr lang="de-DE" dirty="0" err="1" smtClean="0">
+                <a:hlinkClick r:id="rId4"/>
+              </a:rPr>
               <a:t>Slides</a:t>
             </a:r>
             <a:r>
-              <a:rPr lang="de-DE" dirty="0" smtClean="0"/>
+              <a:rPr lang="de-DE" dirty="0" smtClean="0">
+                <a:hlinkClick r:id="rId4"/>
+              </a:rPr>
               <a:t> zum Kurs</a:t>
             </a:r>
+            <a:endParaRPr lang="de-DE" dirty="0" smtClean="0"/>
           </a:p>
           <a:p>
             <a:pPr lvl="1"/>
             <a:r>
-              <a:rPr lang="de-DE" dirty="0" smtClean="0"/>
-              <a:t>G42 Tool </a:t>
-            </a:r>
-            <a:r>
-              <a:rPr lang="de-DE" smtClean="0"/>
-              <a:t>Caddy Design</a:t>
+              <a:rPr lang="de-DE" dirty="0" smtClean="0">
+                <a:hlinkClick r:id="rId5"/>
+              </a:rPr>
+              <a:t>G42 Tool Caddy Design</a:t>
             </a:r>
             <a:endParaRPr lang="de-DE" dirty="0" smtClean="0"/>
           </a:p>
